--- a/55_系统运维/202212121624_入门自建免费家庭影院系统，新手小白不得不搞懂的几个概念/Jellyfin+KODI+TMM.pptx
+++ b/55_系统运维/202212121624_入门自建免费家庭影院系统，新手小白不得不搞懂的几个概念/Jellyfin+KODI+TMM.pptx
@@ -9,6 +9,7 @@
     <p:sldId id="257" r:id="rId3"/>
     <p:sldId id="258" r:id="rId4"/>
     <p:sldId id="259" r:id="rId5"/>
+    <p:sldId id="260" r:id="rId6"/>
   </p:sldIdLst>
   <p:sldSz cx="12192000" cy="6858000"/>
   <p:notesSz cx="6858000" cy="9144000"/>
@@ -262,7 +263,7 @@
           <a:p>
             <a:fld id="{1AB41E39-46D5-4910-AAE8-F51EDC31ADD6}" type="datetimeFigureOut">
               <a:rPr lang="zh-CN" altLang="en-US" smtClean="0"/>
-              <a:t>2022/12/16</a:t>
+              <a:t>2022/12/17</a:t>
             </a:fld>
             <a:endParaRPr lang="zh-CN" altLang="en-US"/>
           </a:p>
@@ -460,7 +461,7 @@
           <a:p>
             <a:fld id="{1AB41E39-46D5-4910-AAE8-F51EDC31ADD6}" type="datetimeFigureOut">
               <a:rPr lang="zh-CN" altLang="en-US" smtClean="0"/>
-              <a:t>2022/12/16</a:t>
+              <a:t>2022/12/17</a:t>
             </a:fld>
             <a:endParaRPr lang="zh-CN" altLang="en-US"/>
           </a:p>
@@ -668,7 +669,7 @@
           <a:p>
             <a:fld id="{1AB41E39-46D5-4910-AAE8-F51EDC31ADD6}" type="datetimeFigureOut">
               <a:rPr lang="zh-CN" altLang="en-US" smtClean="0"/>
-              <a:t>2022/12/16</a:t>
+              <a:t>2022/12/17</a:t>
             </a:fld>
             <a:endParaRPr lang="zh-CN" altLang="en-US"/>
           </a:p>
@@ -866,7 +867,7 @@
           <a:p>
             <a:fld id="{1AB41E39-46D5-4910-AAE8-F51EDC31ADD6}" type="datetimeFigureOut">
               <a:rPr lang="zh-CN" altLang="en-US" smtClean="0"/>
-              <a:t>2022/12/16</a:t>
+              <a:t>2022/12/17</a:t>
             </a:fld>
             <a:endParaRPr lang="zh-CN" altLang="en-US"/>
           </a:p>
@@ -1141,7 +1142,7 @@
           <a:p>
             <a:fld id="{1AB41E39-46D5-4910-AAE8-F51EDC31ADD6}" type="datetimeFigureOut">
               <a:rPr lang="zh-CN" altLang="en-US" smtClean="0"/>
-              <a:t>2022/12/16</a:t>
+              <a:t>2022/12/17</a:t>
             </a:fld>
             <a:endParaRPr lang="zh-CN" altLang="en-US"/>
           </a:p>
@@ -1406,7 +1407,7 @@
           <a:p>
             <a:fld id="{1AB41E39-46D5-4910-AAE8-F51EDC31ADD6}" type="datetimeFigureOut">
               <a:rPr lang="zh-CN" altLang="en-US" smtClean="0"/>
-              <a:t>2022/12/16</a:t>
+              <a:t>2022/12/17</a:t>
             </a:fld>
             <a:endParaRPr lang="zh-CN" altLang="en-US"/>
           </a:p>
@@ -1818,7 +1819,7 @@
           <a:p>
             <a:fld id="{1AB41E39-46D5-4910-AAE8-F51EDC31ADD6}" type="datetimeFigureOut">
               <a:rPr lang="zh-CN" altLang="en-US" smtClean="0"/>
-              <a:t>2022/12/16</a:t>
+              <a:t>2022/12/17</a:t>
             </a:fld>
             <a:endParaRPr lang="zh-CN" altLang="en-US"/>
           </a:p>
@@ -1959,7 +1960,7 @@
           <a:p>
             <a:fld id="{1AB41E39-46D5-4910-AAE8-F51EDC31ADD6}" type="datetimeFigureOut">
               <a:rPr lang="zh-CN" altLang="en-US" smtClean="0"/>
-              <a:t>2022/12/16</a:t>
+              <a:t>2022/12/17</a:t>
             </a:fld>
             <a:endParaRPr lang="zh-CN" altLang="en-US"/>
           </a:p>
@@ -2072,7 +2073,7 @@
           <a:p>
             <a:fld id="{1AB41E39-46D5-4910-AAE8-F51EDC31ADD6}" type="datetimeFigureOut">
               <a:rPr lang="zh-CN" altLang="en-US" smtClean="0"/>
-              <a:t>2022/12/16</a:t>
+              <a:t>2022/12/17</a:t>
             </a:fld>
             <a:endParaRPr lang="zh-CN" altLang="en-US"/>
           </a:p>
@@ -2383,7 +2384,7 @@
           <a:p>
             <a:fld id="{1AB41E39-46D5-4910-AAE8-F51EDC31ADD6}" type="datetimeFigureOut">
               <a:rPr lang="zh-CN" altLang="en-US" smtClean="0"/>
-              <a:t>2022/12/16</a:t>
+              <a:t>2022/12/17</a:t>
             </a:fld>
             <a:endParaRPr lang="zh-CN" altLang="en-US"/>
           </a:p>
@@ -2671,7 +2672,7 @@
           <a:p>
             <a:fld id="{1AB41E39-46D5-4910-AAE8-F51EDC31ADD6}" type="datetimeFigureOut">
               <a:rPr lang="zh-CN" altLang="en-US" smtClean="0"/>
-              <a:t>2022/12/16</a:t>
+              <a:t>2022/12/17</a:t>
             </a:fld>
             <a:endParaRPr lang="zh-CN" altLang="en-US"/>
           </a:p>
@@ -2912,7 +2913,7 @@
           <a:p>
             <a:fld id="{1AB41E39-46D5-4910-AAE8-F51EDC31ADD6}" type="datetimeFigureOut">
               <a:rPr lang="zh-CN" altLang="en-US" smtClean="0"/>
-              <a:t>2022/12/16</a:t>
+              <a:t>2022/12/17</a:t>
             </a:fld>
             <a:endParaRPr lang="zh-CN" altLang="en-US"/>
           </a:p>
@@ -6319,6 +6320,792 @@
 </p:sld>
 </file>
 
+<file path=ppt/slides/slide5.xml><?xml version="1.0" encoding="utf-8"?>
+<p:sld xmlns:a="http://schemas.openxmlformats.org/drawingml/2006/main" xmlns:r="http://schemas.openxmlformats.org/officeDocument/2006/relationships" xmlns:p="http://schemas.openxmlformats.org/presentationml/2006/main">
+  <p:cSld>
+    <p:spTree>
+      <p:nvGrpSpPr>
+        <p:cNvPr id="1" name=""/>
+        <p:cNvGrpSpPr/>
+        <p:nvPr/>
+      </p:nvGrpSpPr>
+      <p:grpSpPr>
+        <a:xfrm>
+          <a:off x="0" y="0"/>
+          <a:ext cx="0" cy="0"/>
+          <a:chOff x="0" y="0"/>
+          <a:chExt cx="0" cy="0"/>
+        </a:xfrm>
+      </p:grpSpPr>
+      <p:pic>
+        <p:nvPicPr>
+          <p:cNvPr id="73" name="图形 72" descr="智能手机 轮廓">
+            <a:extLst>
+              <a:ext uri="{FF2B5EF4-FFF2-40B4-BE49-F238E27FC236}">
+                <a16:creationId xmlns:a16="http://schemas.microsoft.com/office/drawing/2014/main" id="{D7C06FCF-4703-AA90-52F1-DDA3783E9D63}"/>
+              </a:ext>
+            </a:extLst>
+          </p:cNvPr>
+          <p:cNvPicPr>
+            <a:picLocks noChangeAspect="1"/>
+          </p:cNvPicPr>
+          <p:nvPr/>
+        </p:nvPicPr>
+        <p:blipFill>
+          <a:blip r:embed="rId2">
+            <a:extLst>
+              <a:ext uri="{28A0092B-C50C-407E-A947-70E740481C1C}">
+                <a14:useLocalDpi xmlns:a14="http://schemas.microsoft.com/office/drawing/2010/main" val="0"/>
+              </a:ext>
+              <a:ext uri="{96DAC541-7B7A-43D3-8B79-37D633B846F1}">
+                <asvg:svgBlip xmlns:asvg="http://schemas.microsoft.com/office/drawing/2016/SVG/main" r:embed="rId3"/>
+              </a:ext>
+            </a:extLst>
+          </a:blip>
+          <a:stretch>
+            <a:fillRect/>
+          </a:stretch>
+        </p:blipFill>
+        <p:spPr>
+          <a:xfrm>
+            <a:off x="4143898" y="4318369"/>
+            <a:ext cx="914400" cy="914400"/>
+          </a:xfrm>
+          <a:prstGeom prst="rect">
+            <a:avLst/>
+          </a:prstGeom>
+        </p:spPr>
+      </p:pic>
+      <p:sp>
+        <p:nvSpPr>
+          <p:cNvPr id="74" name="文本框 73">
+            <a:extLst>
+              <a:ext uri="{FF2B5EF4-FFF2-40B4-BE49-F238E27FC236}">
+                <a16:creationId xmlns:a16="http://schemas.microsoft.com/office/drawing/2014/main" id="{37C4C7C4-E839-E6CB-AAC0-790D6F614DDE}"/>
+              </a:ext>
+            </a:extLst>
+          </p:cNvPr>
+          <p:cNvSpPr txBox="1"/>
+          <p:nvPr/>
+        </p:nvSpPr>
+        <p:spPr>
+          <a:xfrm>
+            <a:off x="3415748" y="5269885"/>
+            <a:ext cx="1508373" cy="646331"/>
+          </a:xfrm>
+          <a:prstGeom prst="rect">
+            <a:avLst/>
+          </a:prstGeom>
+          <a:noFill/>
+        </p:spPr>
+        <p:txBody>
+          <a:bodyPr wrap="square">
+            <a:spAutoFit/>
+          </a:bodyPr>
+          <a:lstStyle/>
+          <a:p>
+            <a:pPr algn="ctr"/>
+            <a:r>
+              <a:rPr lang="en-US" altLang="zh-CN" dirty="0"/>
+              <a:t>Android/iOS</a:t>
+            </a:r>
+          </a:p>
+          <a:p>
+            <a:pPr algn="ctr"/>
+            <a:r>
+              <a:rPr lang="zh-CN" altLang="en-US" dirty="0"/>
+              <a:t>客户端</a:t>
+            </a:r>
+            <a:endParaRPr lang="en-US" altLang="zh-CN" dirty="0"/>
+          </a:p>
+        </p:txBody>
+      </p:sp>
+      <p:pic>
+        <p:nvPicPr>
+          <p:cNvPr id="83" name="图形 82" descr="计算机 轮廓">
+            <a:extLst>
+              <a:ext uri="{FF2B5EF4-FFF2-40B4-BE49-F238E27FC236}">
+                <a16:creationId xmlns:a16="http://schemas.microsoft.com/office/drawing/2014/main" id="{6336E9E9-F585-69F0-D6A7-11618724582D}"/>
+              </a:ext>
+            </a:extLst>
+          </p:cNvPr>
+          <p:cNvPicPr>
+            <a:picLocks noChangeAspect="1"/>
+          </p:cNvPicPr>
+          <p:nvPr/>
+        </p:nvPicPr>
+        <p:blipFill>
+          <a:blip r:embed="rId4">
+            <a:extLst>
+              <a:ext uri="{28A0092B-C50C-407E-A947-70E740481C1C}">
+                <a14:useLocalDpi xmlns:a14="http://schemas.microsoft.com/office/drawing/2010/main" val="0"/>
+              </a:ext>
+              <a:ext uri="{96DAC541-7B7A-43D3-8B79-37D633B846F1}">
+                <asvg:svgBlip xmlns:asvg="http://schemas.microsoft.com/office/drawing/2016/SVG/main" r:embed="rId5"/>
+              </a:ext>
+            </a:extLst>
+          </a:blip>
+          <a:stretch>
+            <a:fillRect/>
+          </a:stretch>
+        </p:blipFill>
+        <p:spPr>
+          <a:xfrm>
+            <a:off x="3290171" y="2847932"/>
+            <a:ext cx="914400" cy="914400"/>
+          </a:xfrm>
+          <a:prstGeom prst="rect">
+            <a:avLst/>
+          </a:prstGeom>
+        </p:spPr>
+      </p:pic>
+      <p:pic>
+        <p:nvPicPr>
+          <p:cNvPr id="84" name="图形 83" descr="便携式计算机 轮廓">
+            <a:extLst>
+              <a:ext uri="{FF2B5EF4-FFF2-40B4-BE49-F238E27FC236}">
+                <a16:creationId xmlns:a16="http://schemas.microsoft.com/office/drawing/2014/main" id="{39D16C5D-B9F0-590B-E9E5-ADC27B78C2EB}"/>
+              </a:ext>
+            </a:extLst>
+          </p:cNvPr>
+          <p:cNvPicPr>
+            <a:picLocks noChangeAspect="1"/>
+          </p:cNvPicPr>
+          <p:nvPr/>
+        </p:nvPicPr>
+        <p:blipFill>
+          <a:blip r:embed="rId6">
+            <a:extLst>
+              <a:ext uri="{28A0092B-C50C-407E-A947-70E740481C1C}">
+                <a14:useLocalDpi xmlns:a14="http://schemas.microsoft.com/office/drawing/2010/main" val="0"/>
+              </a:ext>
+              <a:ext uri="{96DAC541-7B7A-43D3-8B79-37D633B846F1}">
+                <asvg:svgBlip xmlns:asvg="http://schemas.microsoft.com/office/drawing/2016/SVG/main" r:embed="rId7"/>
+              </a:ext>
+            </a:extLst>
+          </a:blip>
+          <a:stretch>
+            <a:fillRect/>
+          </a:stretch>
+        </p:blipFill>
+        <p:spPr>
+          <a:xfrm>
+            <a:off x="4224964" y="2656649"/>
+            <a:ext cx="914400" cy="914400"/>
+          </a:xfrm>
+          <a:prstGeom prst="rect">
+            <a:avLst/>
+          </a:prstGeom>
+        </p:spPr>
+      </p:pic>
+      <p:sp>
+        <p:nvSpPr>
+          <p:cNvPr id="86" name="文本框 85">
+            <a:extLst>
+              <a:ext uri="{FF2B5EF4-FFF2-40B4-BE49-F238E27FC236}">
+                <a16:creationId xmlns:a16="http://schemas.microsoft.com/office/drawing/2014/main" id="{184702C3-4055-5DA0-2623-C55FEDDFA879}"/>
+              </a:ext>
+            </a:extLst>
+          </p:cNvPr>
+          <p:cNvSpPr txBox="1"/>
+          <p:nvPr/>
+        </p:nvSpPr>
+        <p:spPr>
+          <a:xfrm>
+            <a:off x="3046712" y="3585335"/>
+            <a:ext cx="2323430" cy="369332"/>
+          </a:xfrm>
+          <a:prstGeom prst="rect">
+            <a:avLst/>
+          </a:prstGeom>
+          <a:noFill/>
+        </p:spPr>
+        <p:txBody>
+          <a:bodyPr wrap="square">
+            <a:spAutoFit/>
+          </a:bodyPr>
+          <a:lstStyle/>
+          <a:p>
+            <a:pPr algn="ctr"/>
+            <a:r>
+              <a:rPr lang="zh-CN" altLang="en-US" dirty="0"/>
+              <a:t>图片影视游戏资源</a:t>
+            </a:r>
+            <a:endParaRPr lang="en-US" altLang="zh-CN" dirty="0"/>
+          </a:p>
+        </p:txBody>
+      </p:sp>
+      <p:cxnSp>
+        <p:nvCxnSpPr>
+          <p:cNvPr id="88" name="直接箭头连接符 87">
+            <a:extLst>
+              <a:ext uri="{FF2B5EF4-FFF2-40B4-BE49-F238E27FC236}">
+                <a16:creationId xmlns:a16="http://schemas.microsoft.com/office/drawing/2014/main" id="{9F3C135F-7099-2609-BCB6-6F00030BA84C}"/>
+              </a:ext>
+            </a:extLst>
+          </p:cNvPr>
+          <p:cNvCxnSpPr>
+            <a:cxnSpLocks/>
+          </p:cNvCxnSpPr>
+          <p:nvPr/>
+        </p:nvCxnSpPr>
+        <p:spPr>
+          <a:xfrm>
+            <a:off x="5199582" y="5168536"/>
+            <a:ext cx="2190774" cy="0"/>
+          </a:xfrm>
+          <a:prstGeom prst="straightConnector1">
+            <a:avLst/>
+          </a:prstGeom>
+          <a:ln w="25400">
+            <a:headEnd type="triangle"/>
+            <a:tailEnd type="none"/>
+          </a:ln>
+        </p:spPr>
+        <p:style>
+          <a:lnRef idx="1">
+            <a:schemeClr val="accent1"/>
+          </a:lnRef>
+          <a:fillRef idx="0">
+            <a:schemeClr val="accent1"/>
+          </a:fillRef>
+          <a:effectRef idx="0">
+            <a:schemeClr val="accent1"/>
+          </a:effectRef>
+          <a:fontRef idx="minor">
+            <a:schemeClr val="tx1"/>
+          </a:fontRef>
+        </p:style>
+      </p:cxnSp>
+      <p:sp>
+        <p:nvSpPr>
+          <p:cNvPr id="103" name="文本框 102">
+            <a:extLst>
+              <a:ext uri="{FF2B5EF4-FFF2-40B4-BE49-F238E27FC236}">
+                <a16:creationId xmlns:a16="http://schemas.microsoft.com/office/drawing/2014/main" id="{66CC2F5F-0F35-9C12-BF6B-1CDDEFBF8F69}"/>
+              </a:ext>
+            </a:extLst>
+          </p:cNvPr>
+          <p:cNvSpPr txBox="1"/>
+          <p:nvPr/>
+        </p:nvSpPr>
+        <p:spPr>
+          <a:xfrm>
+            <a:off x="5342417" y="2968059"/>
+            <a:ext cx="1721565" cy="369332"/>
+          </a:xfrm>
+          <a:prstGeom prst="rect">
+            <a:avLst/>
+          </a:prstGeom>
+          <a:noFill/>
+        </p:spPr>
+        <p:txBody>
+          <a:bodyPr wrap="square">
+            <a:spAutoFit/>
+          </a:bodyPr>
+          <a:lstStyle/>
+          <a:p>
+            <a:pPr algn="ctr"/>
+            <a:r>
+              <a:rPr lang="zh-CN" altLang="en-US" dirty="0"/>
+              <a:t>安装</a:t>
+            </a:r>
+            <a:r>
+              <a:rPr lang="en-US" altLang="zh-CN" dirty="0"/>
+              <a:t>/</a:t>
+            </a:r>
+            <a:r>
+              <a:rPr lang="zh-CN" altLang="en-US" dirty="0"/>
+              <a:t>提供服务</a:t>
+            </a:r>
+            <a:endParaRPr lang="en-US" altLang="zh-CN" dirty="0"/>
+          </a:p>
+        </p:txBody>
+      </p:sp>
+      <p:sp>
+        <p:nvSpPr>
+          <p:cNvPr id="104" name="文本框 103">
+            <a:extLst>
+              <a:ext uri="{FF2B5EF4-FFF2-40B4-BE49-F238E27FC236}">
+                <a16:creationId xmlns:a16="http://schemas.microsoft.com/office/drawing/2014/main" id="{4548D2F4-DADA-18A5-086A-492C54B0D68B}"/>
+              </a:ext>
+            </a:extLst>
+          </p:cNvPr>
+          <p:cNvSpPr txBox="1"/>
+          <p:nvPr/>
+        </p:nvSpPr>
+        <p:spPr>
+          <a:xfrm>
+            <a:off x="5656386" y="4799204"/>
+            <a:ext cx="1287660" cy="369332"/>
+          </a:xfrm>
+          <a:prstGeom prst="rect">
+            <a:avLst/>
+          </a:prstGeom>
+          <a:noFill/>
+        </p:spPr>
+        <p:txBody>
+          <a:bodyPr wrap="square">
+            <a:spAutoFit/>
+          </a:bodyPr>
+          <a:lstStyle/>
+          <a:p>
+            <a:pPr algn="ctr"/>
+            <a:r>
+              <a:rPr lang="zh-CN" altLang="en-US" dirty="0"/>
+              <a:t>安装</a:t>
+            </a:r>
+            <a:r>
+              <a:rPr lang="en-US" altLang="zh-CN" dirty="0"/>
+              <a:t>/</a:t>
+            </a:r>
+            <a:r>
+              <a:rPr lang="zh-CN" altLang="en-US" dirty="0"/>
+              <a:t>使用</a:t>
+            </a:r>
+            <a:endParaRPr lang="en-US" altLang="zh-CN" dirty="0"/>
+          </a:p>
+        </p:txBody>
+      </p:sp>
+      <p:pic>
+        <p:nvPicPr>
+          <p:cNvPr id="2" name="图片 1">
+            <a:extLst>
+              <a:ext uri="{FF2B5EF4-FFF2-40B4-BE49-F238E27FC236}">
+                <a16:creationId xmlns:a16="http://schemas.microsoft.com/office/drawing/2014/main" id="{30FFB2E8-A7A8-CA6A-4034-925F48B59A6B}"/>
+              </a:ext>
+            </a:extLst>
+          </p:cNvPr>
+          <p:cNvPicPr>
+            <a:picLocks noChangeAspect="1"/>
+          </p:cNvPicPr>
+          <p:nvPr/>
+        </p:nvPicPr>
+        <p:blipFill>
+          <a:blip r:embed="rId8"/>
+          <a:stretch>
+            <a:fillRect/>
+          </a:stretch>
+        </p:blipFill>
+        <p:spPr>
+          <a:xfrm>
+            <a:off x="7981129" y="4599059"/>
+            <a:ext cx="304762" cy="304762"/>
+          </a:xfrm>
+          <a:prstGeom prst="rect">
+            <a:avLst/>
+          </a:prstGeom>
+        </p:spPr>
+      </p:pic>
+      <p:sp>
+        <p:nvSpPr>
+          <p:cNvPr id="3" name="文本框 2">
+            <a:extLst>
+              <a:ext uri="{FF2B5EF4-FFF2-40B4-BE49-F238E27FC236}">
+                <a16:creationId xmlns:a16="http://schemas.microsoft.com/office/drawing/2014/main" id="{5E333FA1-1BD9-68EF-E1B4-D95E366DE3B1}"/>
+              </a:ext>
+            </a:extLst>
+          </p:cNvPr>
+          <p:cNvSpPr txBox="1"/>
+          <p:nvPr/>
+        </p:nvSpPr>
+        <p:spPr>
+          <a:xfrm>
+            <a:off x="7676310" y="4916835"/>
+            <a:ext cx="914400" cy="646331"/>
+          </a:xfrm>
+          <a:prstGeom prst="rect">
+            <a:avLst/>
+          </a:prstGeom>
+          <a:noFill/>
+        </p:spPr>
+        <p:txBody>
+          <a:bodyPr wrap="square" rtlCol="0">
+            <a:spAutoFit/>
+          </a:bodyPr>
+          <a:lstStyle/>
+          <a:p>
+            <a:pPr algn="ctr"/>
+            <a:r>
+              <a:rPr lang="en-US" altLang="zh-CN" dirty="0"/>
+              <a:t>KODI</a:t>
+            </a:r>
+          </a:p>
+          <a:p>
+            <a:pPr algn="ctr"/>
+            <a:r>
+              <a:rPr lang="zh-CN" altLang="en-US" dirty="0"/>
+              <a:t>播放器</a:t>
+            </a:r>
+            <a:endParaRPr lang="en-US" altLang="zh-CN" dirty="0"/>
+          </a:p>
+        </p:txBody>
+      </p:sp>
+      <p:pic>
+        <p:nvPicPr>
+          <p:cNvPr id="6" name="图形 5" descr="电视 轮廓">
+            <a:extLst>
+              <a:ext uri="{FF2B5EF4-FFF2-40B4-BE49-F238E27FC236}">
+                <a16:creationId xmlns:a16="http://schemas.microsoft.com/office/drawing/2014/main" id="{B007A1EB-62E7-7FA6-291F-5149907A9C3E}"/>
+              </a:ext>
+            </a:extLst>
+          </p:cNvPr>
+          <p:cNvPicPr>
+            <a:picLocks noChangeAspect="1"/>
+          </p:cNvPicPr>
+          <p:nvPr/>
+        </p:nvPicPr>
+        <p:blipFill>
+          <a:blip r:embed="rId9">
+            <a:extLst>
+              <a:ext uri="{28A0092B-C50C-407E-A947-70E740481C1C}">
+                <a14:useLocalDpi xmlns:a14="http://schemas.microsoft.com/office/drawing/2010/main" val="0"/>
+              </a:ext>
+              <a:ext uri="{96DAC541-7B7A-43D3-8B79-37D633B846F1}">
+                <asvg:svgBlip xmlns:asvg="http://schemas.microsoft.com/office/drawing/2016/SVG/main" r:embed="rId10"/>
+              </a:ext>
+            </a:extLst>
+          </a:blip>
+          <a:stretch>
+            <a:fillRect/>
+          </a:stretch>
+        </p:blipFill>
+        <p:spPr>
+          <a:xfrm>
+            <a:off x="3366288" y="4510704"/>
+            <a:ext cx="914400" cy="914400"/>
+          </a:xfrm>
+          <a:prstGeom prst="rect">
+            <a:avLst/>
+          </a:prstGeom>
+        </p:spPr>
+      </p:pic>
+      <p:sp>
+        <p:nvSpPr>
+          <p:cNvPr id="7" name="文本框 6">
+            <a:extLst>
+              <a:ext uri="{FF2B5EF4-FFF2-40B4-BE49-F238E27FC236}">
+                <a16:creationId xmlns:a16="http://schemas.microsoft.com/office/drawing/2014/main" id="{E0D9578A-6F7D-3880-29C8-F3FC9FE328E2}"/>
+              </a:ext>
+            </a:extLst>
+          </p:cNvPr>
+          <p:cNvSpPr txBox="1"/>
+          <p:nvPr/>
+        </p:nvSpPr>
+        <p:spPr>
+          <a:xfrm>
+            <a:off x="6920345" y="2977307"/>
+            <a:ext cx="2217890" cy="923330"/>
+          </a:xfrm>
+          <a:prstGeom prst="rect">
+            <a:avLst/>
+          </a:prstGeom>
+          <a:noFill/>
+        </p:spPr>
+        <p:txBody>
+          <a:bodyPr wrap="square" rtlCol="0">
+            <a:spAutoFit/>
+          </a:bodyPr>
+          <a:lstStyle/>
+          <a:p>
+            <a:pPr algn="ctr"/>
+            <a:r>
+              <a:rPr lang="en-US" altLang="zh-CN" dirty="0"/>
+              <a:t>tinyMediaManager</a:t>
+            </a:r>
+          </a:p>
+          <a:p>
+            <a:pPr algn="ctr"/>
+            <a:r>
+              <a:rPr lang="zh-CN" altLang="en-US" dirty="0"/>
+              <a:t>刮削软件</a:t>
+            </a:r>
+            <a:endParaRPr lang="en-US" altLang="zh-CN" dirty="0"/>
+          </a:p>
+          <a:p>
+            <a:pPr algn="ctr"/>
+            <a:r>
+              <a:rPr lang="zh-CN" altLang="en-US" dirty="0"/>
+              <a:t>（简称</a:t>
+            </a:r>
+            <a:r>
+              <a:rPr lang="en-US" altLang="zh-CN" dirty="0"/>
+              <a:t>TMM</a:t>
+            </a:r>
+            <a:r>
+              <a:rPr lang="zh-CN" altLang="en-US" dirty="0"/>
+              <a:t>）</a:t>
+            </a:r>
+          </a:p>
+        </p:txBody>
+      </p:sp>
+      <p:pic>
+        <p:nvPicPr>
+          <p:cNvPr id="9" name="图片 8">
+            <a:extLst>
+              <a:ext uri="{FF2B5EF4-FFF2-40B4-BE49-F238E27FC236}">
+                <a16:creationId xmlns:a16="http://schemas.microsoft.com/office/drawing/2014/main" id="{A469B7A3-B6EC-1FA7-1AAD-B447B5BDFB49}"/>
+              </a:ext>
+            </a:extLst>
+          </p:cNvPr>
+          <p:cNvPicPr>
+            <a:picLocks noChangeAspect="1"/>
+          </p:cNvPicPr>
+          <p:nvPr/>
+        </p:nvPicPr>
+        <p:blipFill>
+          <a:blip r:embed="rId11">
+            <a:extLst>
+              <a:ext uri="{28A0092B-C50C-407E-A947-70E740481C1C}">
+                <a14:useLocalDpi xmlns:a14="http://schemas.microsoft.com/office/drawing/2010/main" val="0"/>
+              </a:ext>
+            </a:extLst>
+          </a:blip>
+          <a:stretch>
+            <a:fillRect/>
+          </a:stretch>
+        </p:blipFill>
+        <p:spPr>
+          <a:xfrm>
+            <a:off x="7882229" y="2641123"/>
+            <a:ext cx="325148" cy="325148"/>
+          </a:xfrm>
+          <a:prstGeom prst="rect">
+            <a:avLst/>
+          </a:prstGeom>
+        </p:spPr>
+      </p:pic>
+      <p:sp>
+        <p:nvSpPr>
+          <p:cNvPr id="10" name="文本框 9">
+            <a:extLst>
+              <a:ext uri="{FF2B5EF4-FFF2-40B4-BE49-F238E27FC236}">
+                <a16:creationId xmlns:a16="http://schemas.microsoft.com/office/drawing/2014/main" id="{E7F1CF12-054C-B7EC-46BE-49A0CC693AA2}"/>
+              </a:ext>
+            </a:extLst>
+          </p:cNvPr>
+          <p:cNvSpPr txBox="1"/>
+          <p:nvPr/>
+        </p:nvSpPr>
+        <p:spPr>
+          <a:xfrm>
+            <a:off x="3042855" y="1933532"/>
+            <a:ext cx="2323431" cy="646331"/>
+          </a:xfrm>
+          <a:prstGeom prst="rect">
+            <a:avLst/>
+          </a:prstGeom>
+          <a:noFill/>
+        </p:spPr>
+        <p:txBody>
+          <a:bodyPr wrap="square">
+            <a:spAutoFit/>
+          </a:bodyPr>
+          <a:lstStyle/>
+          <a:p>
+            <a:pPr algn="ctr"/>
+            <a:r>
+              <a:rPr lang="zh-CN" altLang="en-US" dirty="0"/>
+              <a:t>图片影视游戏元数据</a:t>
+            </a:r>
+            <a:endParaRPr lang="en-US" altLang="zh-CN" dirty="0"/>
+          </a:p>
+          <a:p>
+            <a:pPr algn="ctr"/>
+            <a:r>
+              <a:rPr lang="zh-CN" altLang="en-US" dirty="0"/>
+              <a:t>（不含资源本身）</a:t>
+            </a:r>
+            <a:endParaRPr lang="en-US" altLang="zh-CN" dirty="0"/>
+          </a:p>
+        </p:txBody>
+      </p:sp>
+      <p:pic>
+        <p:nvPicPr>
+          <p:cNvPr id="11" name="图形 10" descr="物联网 轮廓">
+            <a:extLst>
+              <a:ext uri="{FF2B5EF4-FFF2-40B4-BE49-F238E27FC236}">
+                <a16:creationId xmlns:a16="http://schemas.microsoft.com/office/drawing/2014/main" id="{4BC0FD2F-3A1A-2F96-BA1B-090B42641F8A}"/>
+              </a:ext>
+            </a:extLst>
+          </p:cNvPr>
+          <p:cNvPicPr>
+            <a:picLocks noChangeAspect="1"/>
+          </p:cNvPicPr>
+          <p:nvPr/>
+        </p:nvPicPr>
+        <p:blipFill>
+          <a:blip r:embed="rId12">
+            <a:extLst>
+              <a:ext uri="{28A0092B-C50C-407E-A947-70E740481C1C}">
+                <a14:useLocalDpi xmlns:a14="http://schemas.microsoft.com/office/drawing/2010/main" val="0"/>
+              </a:ext>
+              <a:ext uri="{96DAC541-7B7A-43D3-8B79-37D633B846F1}">
+                <asvg:svgBlip xmlns:asvg="http://schemas.microsoft.com/office/drawing/2016/SVG/main" r:embed="rId13"/>
+              </a:ext>
+            </a:extLst>
+          </a:blip>
+          <a:stretch>
+            <a:fillRect/>
+          </a:stretch>
+        </p:blipFill>
+        <p:spPr>
+          <a:xfrm>
+            <a:off x="3747371" y="1042829"/>
+            <a:ext cx="914400" cy="914400"/>
+          </a:xfrm>
+          <a:prstGeom prst="rect">
+            <a:avLst/>
+          </a:prstGeom>
+        </p:spPr>
+      </p:pic>
+      <p:sp>
+        <p:nvSpPr>
+          <p:cNvPr id="13" name="箭头: 右 12">
+            <a:extLst>
+              <a:ext uri="{FF2B5EF4-FFF2-40B4-BE49-F238E27FC236}">
+                <a16:creationId xmlns:a16="http://schemas.microsoft.com/office/drawing/2014/main" id="{B6EB4EED-4A43-5EB8-445D-AB8D91FE87B9}"/>
+              </a:ext>
+            </a:extLst>
+          </p:cNvPr>
+          <p:cNvSpPr/>
+          <p:nvPr/>
+        </p:nvSpPr>
+        <p:spPr>
+          <a:xfrm rot="1250090">
+            <a:off x="5120286" y="2017359"/>
+            <a:ext cx="2466002" cy="346091"/>
+          </a:xfrm>
+          <a:prstGeom prst="rightArrow">
+            <a:avLst/>
+          </a:prstGeom>
+        </p:spPr>
+        <p:style>
+          <a:lnRef idx="2">
+            <a:schemeClr val="accent1">
+              <a:shade val="50000"/>
+            </a:schemeClr>
+          </a:lnRef>
+          <a:fillRef idx="1">
+            <a:schemeClr val="accent1"/>
+          </a:fillRef>
+          <a:effectRef idx="0">
+            <a:schemeClr val="accent1"/>
+          </a:effectRef>
+          <a:fontRef idx="minor">
+            <a:schemeClr val="lt1"/>
+          </a:fontRef>
+        </p:style>
+        <p:txBody>
+          <a:bodyPr rtlCol="0" anchor="ctr"/>
+          <a:lstStyle/>
+          <a:p>
+            <a:pPr algn="ctr"/>
+            <a:endParaRPr lang="zh-CN" altLang="en-US"/>
+          </a:p>
+        </p:txBody>
+      </p:sp>
+      <p:cxnSp>
+        <p:nvCxnSpPr>
+          <p:cNvPr id="16" name="直接箭头连接符 15">
+            <a:extLst>
+              <a:ext uri="{FF2B5EF4-FFF2-40B4-BE49-F238E27FC236}">
+                <a16:creationId xmlns:a16="http://schemas.microsoft.com/office/drawing/2014/main" id="{9974A885-F369-EAF3-2963-D94A8F2E1565}"/>
+              </a:ext>
+            </a:extLst>
+          </p:cNvPr>
+          <p:cNvCxnSpPr>
+            <a:cxnSpLocks/>
+          </p:cNvCxnSpPr>
+          <p:nvPr/>
+        </p:nvCxnSpPr>
+        <p:spPr>
+          <a:xfrm>
+            <a:off x="5314177" y="3333629"/>
+            <a:ext cx="1707484" cy="0"/>
+          </a:xfrm>
+          <a:prstGeom prst="straightConnector1">
+            <a:avLst/>
+          </a:prstGeom>
+          <a:ln w="25400">
+            <a:headEnd type="triangle"/>
+            <a:tailEnd type="none"/>
+          </a:ln>
+        </p:spPr>
+        <p:style>
+          <a:lnRef idx="1">
+            <a:schemeClr val="accent1"/>
+          </a:lnRef>
+          <a:fillRef idx="0">
+            <a:schemeClr val="accent1"/>
+          </a:fillRef>
+          <a:effectRef idx="0">
+            <a:schemeClr val="accent1"/>
+          </a:effectRef>
+          <a:fontRef idx="minor">
+            <a:schemeClr val="tx1"/>
+          </a:fontRef>
+        </p:style>
+      </p:cxnSp>
+      <p:sp>
+        <p:nvSpPr>
+          <p:cNvPr id="27" name="箭头: 右 26">
+            <a:extLst>
+              <a:ext uri="{FF2B5EF4-FFF2-40B4-BE49-F238E27FC236}">
+                <a16:creationId xmlns:a16="http://schemas.microsoft.com/office/drawing/2014/main" id="{226A5FFE-63CC-F3AB-5B6F-5C38DB4819D4}"/>
+              </a:ext>
+            </a:extLst>
+          </p:cNvPr>
+          <p:cNvSpPr/>
+          <p:nvPr/>
+        </p:nvSpPr>
+        <p:spPr>
+          <a:xfrm rot="5400000">
+            <a:off x="7779487" y="4004300"/>
+            <a:ext cx="666717" cy="346091"/>
+          </a:xfrm>
+          <a:prstGeom prst="rightArrow">
+            <a:avLst/>
+          </a:prstGeom>
+        </p:spPr>
+        <p:style>
+          <a:lnRef idx="2">
+            <a:schemeClr val="accent1">
+              <a:shade val="50000"/>
+            </a:schemeClr>
+          </a:lnRef>
+          <a:fillRef idx="1">
+            <a:schemeClr val="accent1"/>
+          </a:fillRef>
+          <a:effectRef idx="0">
+            <a:schemeClr val="accent1"/>
+          </a:effectRef>
+          <a:fontRef idx="minor">
+            <a:schemeClr val="lt1"/>
+          </a:fontRef>
+        </p:style>
+        <p:txBody>
+          <a:bodyPr rtlCol="0" anchor="ctr"/>
+          <a:lstStyle/>
+          <a:p>
+            <a:pPr algn="ctr"/>
+            <a:endParaRPr lang="zh-CN" altLang="en-US"/>
+          </a:p>
+        </p:txBody>
+      </p:sp>
+    </p:spTree>
+    <p:extLst>
+      <p:ext uri="{BB962C8B-B14F-4D97-AF65-F5344CB8AC3E}">
+        <p14:creationId xmlns:p14="http://schemas.microsoft.com/office/powerpoint/2010/main" val="655942013"/>
+      </p:ext>
+    </p:extLst>
+  </p:cSld>
+  <p:clrMapOvr>
+    <a:masterClrMapping/>
+  </p:clrMapOvr>
+</p:sld>
+</file>
+
 <file path=ppt/theme/theme1.xml><?xml version="1.0" encoding="utf-8"?>
 <a:theme xmlns:a="http://schemas.openxmlformats.org/drawingml/2006/main" name="Office 主题​​">
   <a:themeElements>
